--- a/diagrams/RC_Layout.pptx
+++ b/diagrams/RC_Layout.pptx
@@ -1800,7 +1800,7 @@
           <a:p>
             <a:fld id="{7A3AB91D-764B-49C7-BDF2-0BFC6531473D}" type="datetimeFigureOut">
               <a:rPr lang="en-US" smtClean="0"/>
-              <a:t>9/8/2025</a:t>
+              <a:t>10/8/2025</a:t>
             </a:fld>
             <a:endParaRPr lang="en-US"/>
           </a:p>
@@ -2282,7 +2282,7 @@
           <a:p>
             <a:fld id="{AE315980-0E2C-407E-A261-F8DB0518AE06}" type="datetimeFigureOut">
               <a:rPr lang="en-US" smtClean="0"/>
-              <a:t>9/8/2025</a:t>
+              <a:t>10/8/2025</a:t>
             </a:fld>
             <a:endParaRPr lang="en-US"/>
           </a:p>
@@ -2452,7 +2452,7 @@
           <a:p>
             <a:fld id="{AE315980-0E2C-407E-A261-F8DB0518AE06}" type="datetimeFigureOut">
               <a:rPr lang="en-US" smtClean="0"/>
-              <a:t>9/8/2025</a:t>
+              <a:t>10/8/2025</a:t>
             </a:fld>
             <a:endParaRPr lang="en-US"/>
           </a:p>
@@ -2632,7 +2632,7 @@
           <a:p>
             <a:fld id="{AE315980-0E2C-407E-A261-F8DB0518AE06}" type="datetimeFigureOut">
               <a:rPr lang="en-US" smtClean="0"/>
-              <a:t>9/8/2025</a:t>
+              <a:t>10/8/2025</a:t>
             </a:fld>
             <a:endParaRPr lang="en-US"/>
           </a:p>
@@ -2802,7 +2802,7 @@
           <a:p>
             <a:fld id="{AE315980-0E2C-407E-A261-F8DB0518AE06}" type="datetimeFigureOut">
               <a:rPr lang="en-US" smtClean="0"/>
-              <a:t>9/8/2025</a:t>
+              <a:t>10/8/2025</a:t>
             </a:fld>
             <a:endParaRPr lang="en-US"/>
           </a:p>
@@ -3048,7 +3048,7 @@
           <a:p>
             <a:fld id="{AE315980-0E2C-407E-A261-F8DB0518AE06}" type="datetimeFigureOut">
               <a:rPr lang="en-US" smtClean="0"/>
-              <a:t>9/8/2025</a:t>
+              <a:t>10/8/2025</a:t>
             </a:fld>
             <a:endParaRPr lang="en-US"/>
           </a:p>
@@ -3280,7 +3280,7 @@
           <a:p>
             <a:fld id="{AE315980-0E2C-407E-A261-F8DB0518AE06}" type="datetimeFigureOut">
               <a:rPr lang="en-US" smtClean="0"/>
-              <a:t>9/8/2025</a:t>
+              <a:t>10/8/2025</a:t>
             </a:fld>
             <a:endParaRPr lang="en-US"/>
           </a:p>
@@ -3647,7 +3647,7 @@
           <a:p>
             <a:fld id="{AE315980-0E2C-407E-A261-F8DB0518AE06}" type="datetimeFigureOut">
               <a:rPr lang="en-US" smtClean="0"/>
-              <a:t>9/8/2025</a:t>
+              <a:t>10/8/2025</a:t>
             </a:fld>
             <a:endParaRPr lang="en-US"/>
           </a:p>
@@ -3765,7 +3765,7 @@
           <a:p>
             <a:fld id="{AE315980-0E2C-407E-A261-F8DB0518AE06}" type="datetimeFigureOut">
               <a:rPr lang="en-US" smtClean="0"/>
-              <a:t>9/8/2025</a:t>
+              <a:t>10/8/2025</a:t>
             </a:fld>
             <a:endParaRPr lang="en-US"/>
           </a:p>
@@ -3860,7 +3860,7 @@
           <a:p>
             <a:fld id="{AE315980-0E2C-407E-A261-F8DB0518AE06}" type="datetimeFigureOut">
               <a:rPr lang="en-US" smtClean="0"/>
-              <a:t>9/8/2025</a:t>
+              <a:t>10/8/2025</a:t>
             </a:fld>
             <a:endParaRPr lang="en-US"/>
           </a:p>
@@ -4137,7 +4137,7 @@
           <a:p>
             <a:fld id="{AE315980-0E2C-407E-A261-F8DB0518AE06}" type="datetimeFigureOut">
               <a:rPr lang="en-US" smtClean="0"/>
-              <a:t>9/8/2025</a:t>
+              <a:t>10/8/2025</a:t>
             </a:fld>
             <a:endParaRPr lang="en-US"/>
           </a:p>
@@ -4394,7 +4394,7 @@
           <a:p>
             <a:fld id="{AE315980-0E2C-407E-A261-F8DB0518AE06}" type="datetimeFigureOut">
               <a:rPr lang="en-US" smtClean="0"/>
-              <a:t>9/8/2025</a:t>
+              <a:t>10/8/2025</a:t>
             </a:fld>
             <a:endParaRPr lang="en-US"/>
           </a:p>
@@ -4607,7 +4607,7 @@
           <a:p>
             <a:fld id="{AE315980-0E2C-407E-A261-F8DB0518AE06}" type="datetimeFigureOut">
               <a:rPr lang="en-US" smtClean="0"/>
-              <a:t>9/8/2025</a:t>
+              <a:t>10/8/2025</a:t>
             </a:fld>
             <a:endParaRPr lang="en-US"/>
           </a:p>
@@ -5026,8 +5026,8 @@
         </p:nvSpPr>
         <p:spPr>
           <a:xfrm>
-            <a:off x="114012" y="54177"/>
-            <a:ext cx="6268149" cy="461665"/>
+            <a:off x="114011" y="54177"/>
+            <a:ext cx="6619941" cy="461665"/>
           </a:xfrm>
           <a:prstGeom prst="rect">
             <a:avLst/>
@@ -5042,7 +5042,7 @@
           <a:p>
             <a:r>
               <a:rPr lang="en-US" sz="2400" b="1" dirty="0"/>
-              <a:t>CZ-150 6 Spektrum Transmitter Layout</a:t>
+              <a:t>Spektrum RC Transmitter Layout</a:t>
             </a:r>
             <a:endParaRPr lang="en-US" sz="2400" b="1" dirty="0">
               <a:solidFill>
@@ -5084,7 +5084,7 @@
                   <a:schemeClr val="tx1"/>
                 </a:solidFill>
               </a:rPr>
-              <a:t>Updated: 9/8/2025</a:t>
+              <a:t>Updated: 10/8/2025</a:t>
             </a:r>
           </a:p>
         </p:txBody>
@@ -5103,8 +5103,8 @@
         </p:nvSpPr>
         <p:spPr>
           <a:xfrm>
-            <a:off x="6615260" y="4325242"/>
-            <a:ext cx="1483157" cy="609398"/>
+            <a:off x="6700484" y="4158781"/>
+            <a:ext cx="1483157" cy="954107"/>
           </a:xfrm>
           <a:prstGeom prst="rect">
             <a:avLst/>
@@ -5140,7 +5140,7 @@
             </a:r>
             <a:r>
               <a:rPr lang="en-US" sz="1120" b="1" dirty="0" err="1"/>
-              <a:t>dlat</a:t>
+              <a:t>R_stick_lat</a:t>
             </a:r>
             <a:r>
               <a:rPr lang="en-US" sz="1120" b="1" dirty="0"/>
@@ -5167,9 +5167,11 @@
               <a:rPr lang="en-US" sz="1120" dirty="0"/>
               <a:t>↕  </a:t>
             </a:r>
+          </a:p>
+          <a:p>
             <a:r>
               <a:rPr lang="en-US" sz="1120" b="1" dirty="0" err="1"/>
-              <a:t>dlon</a:t>
+              <a:t>R_stick_lon</a:t>
             </a:r>
             <a:r>
               <a:rPr lang="en-US" sz="1120" b="1" dirty="0"/>
@@ -6444,8 +6446,8 @@
         </p:nvSpPr>
         <p:spPr>
           <a:xfrm>
-            <a:off x="1582416" y="4325242"/>
-            <a:ext cx="1662057" cy="609398"/>
+            <a:off x="1698112" y="4150761"/>
+            <a:ext cx="1662057" cy="954107"/>
           </a:xfrm>
           <a:prstGeom prst="rect">
             <a:avLst/>
@@ -6477,11 +6479,13 @@
             </a:r>
             <a:r>
               <a:rPr lang="en-US" sz="1120" dirty="0"/>
-              <a:t>← →  </a:t>
-            </a:r>
+              <a:t>← → </a:t>
+            </a:r>
+          </a:p>
+          <a:p>
             <a:r>
               <a:rPr lang="en-US" sz="1120" b="1" dirty="0" err="1"/>
-              <a:t>ddir</a:t>
+              <a:t>L_Stick_lat</a:t>
             </a:r>
             <a:r>
               <a:rPr lang="en-US" sz="1120" b="1" dirty="0"/>
@@ -6508,9 +6512,11 @@
               <a:rPr lang="en-US" sz="1120" dirty="0"/>
               <a:t>↕  </a:t>
             </a:r>
+          </a:p>
+          <a:p>
             <a:r>
               <a:rPr lang="en-US" sz="1120" b="1" dirty="0" err="1"/>
-              <a:t>dacc</a:t>
+              <a:t>L_Stick_lon</a:t>
             </a:r>
             <a:r>
               <a:rPr lang="en-US" sz="1120" b="1" dirty="0"/>
@@ -6829,7 +6835,7 @@
             </a:r>
             <a:r>
               <a:rPr lang="en-US" sz="1120" b="1" dirty="0"/>
-              <a:t>| Flt Mode</a:t>
+              <a:t>| PX4 Flt Mode</a:t>
             </a:r>
           </a:p>
           <a:p>
@@ -6992,13 +6998,23 @@
             </a:r>
             <a:r>
               <a:rPr lang="en-US" sz="1120" b="1" dirty="0"/>
-              <a:t>| Engage Fault</a:t>
+              <a:t>| Mod 3 </a:t>
             </a:r>
           </a:p>
           <a:p>
             <a:r>
               <a:rPr lang="en-US" sz="1120" dirty="0"/>
-              <a:t>↑  0 = Fault.</a:t>
+              <a:t>↑  0 = </a:t>
+            </a:r>
+            <a:r>
+              <a:rPr lang="en-US" sz="1120" i="1" dirty="0">
+                <a:solidFill>
+                  <a:schemeClr val="bg2">
+                    <a:lumMod val="90000"/>
+                  </a:schemeClr>
+                </a:solidFill>
+              </a:rPr>
+              <a:t>Mode 0</a:t>
             </a:r>
           </a:p>
           <a:p>
@@ -7008,13 +7024,33 @@
             </a:r>
             <a:r>
               <a:rPr lang="en-US" sz="1120" dirty="0"/>
-              <a:t>  1 = Nominal</a:t>
+              <a:t>  1 = </a:t>
+            </a:r>
+            <a:r>
+              <a:rPr lang="en-US" sz="1120" i="1" dirty="0">
+                <a:solidFill>
+                  <a:schemeClr val="bg2">
+                    <a:lumMod val="90000"/>
+                  </a:schemeClr>
+                </a:solidFill>
+              </a:rPr>
+              <a:t>Mode 1</a:t>
             </a:r>
           </a:p>
           <a:p>
             <a:r>
               <a:rPr lang="en-US" sz="1120" dirty="0"/>
-              <a:t>↓  2 = Nominal</a:t>
+              <a:t>↓  2 = </a:t>
+            </a:r>
+            <a:r>
+              <a:rPr lang="en-US" sz="1120" i="1" dirty="0">
+                <a:solidFill>
+                  <a:schemeClr val="bg2">
+                    <a:lumMod val="90000"/>
+                  </a:schemeClr>
+                </a:solidFill>
+              </a:rPr>
+              <a:t>Mode 2</a:t>
             </a:r>
           </a:p>
         </p:txBody>
@@ -7179,20 +7215,25 @@
                   </a:schemeClr>
                 </a:solidFill>
               </a:rPr>
-              <a:t>Ch. 6 </a:t>
+              <a:t>Ch. ? </a:t>
             </a:r>
           </a:p>
           <a:p>
             <a:r>
               <a:rPr lang="en-US" sz="1120" b="1" dirty="0"/>
-              <a:t>Ctrl Mode</a:t>
+              <a:t>Unassigned</a:t>
             </a:r>
           </a:p>
           <a:p>
             <a:r>
               <a:rPr lang="en-US" sz="1120" dirty="0"/>
-              <a:t>↑  0 = Stock</a:t>
-            </a:r>
+              <a:t>↑  0 = </a:t>
+            </a:r>
+            <a:r>
+              <a:rPr lang="en-US" sz="1120" i="1" dirty="0"/>
+              <a:t>Text 1</a:t>
+            </a:r>
+            <a:endParaRPr lang="en-US" sz="1120" dirty="0"/>
           </a:p>
           <a:p>
             <a:r>
@@ -7201,19 +7242,22 @@
             </a:r>
             <a:r>
               <a:rPr lang="en-US" sz="1120" dirty="0"/>
-              <a:t>  1 = Custom</a:t>
+              <a:t>  1 = </a:t>
+            </a:r>
+            <a:r>
+              <a:rPr lang="en-US" sz="1120" i="1" dirty="0"/>
+              <a:t>Text 2</a:t>
             </a:r>
           </a:p>
           <a:p>
             <a:r>
               <a:rPr lang="en-US" sz="1120" dirty="0"/>
-              <a:t>↓  2 </a:t>
-            </a:r>
-            <a:r>
-              <a:rPr lang="en-US" sz="1120"/>
-              <a:t>= Custom</a:t>
-            </a:r>
-            <a:endParaRPr lang="en-US" sz="1120" dirty="0"/>
+              <a:t>↓  2 = </a:t>
+            </a:r>
+            <a:r>
+              <a:rPr lang="en-US" sz="1120" i="1" dirty="0"/>
+              <a:t>Text 3</a:t>
+            </a:r>
           </a:p>
         </p:txBody>
       </p:sp>
@@ -7271,20 +7315,25 @@
                   </a:schemeClr>
                 </a:solidFill>
               </a:rPr>
-              <a:t>Ch. 7 </a:t>
+              <a:t>Ch. ? </a:t>
             </a:r>
           </a:p>
           <a:p>
             <a:r>
               <a:rPr lang="en-US" sz="1120" b="1" dirty="0"/>
-              <a:t>Flt Mode</a:t>
+              <a:t>Unassigned</a:t>
             </a:r>
           </a:p>
           <a:p>
             <a:r>
               <a:rPr lang="en-US" sz="1120" dirty="0"/>
-              <a:t>↑  0 = Position</a:t>
-            </a:r>
+              <a:t>↑  0 = </a:t>
+            </a:r>
+            <a:r>
+              <a:rPr lang="en-US" sz="1120" i="1" dirty="0"/>
+              <a:t>Text 1</a:t>
+            </a:r>
+            <a:endParaRPr lang="en-US" sz="1120" dirty="0"/>
           </a:p>
           <a:p>
             <a:r>
@@ -7293,13 +7342,21 @@
             </a:r>
             <a:r>
               <a:rPr lang="en-US" sz="1120" dirty="0"/>
-              <a:t>  1 = Altitude</a:t>
+              <a:t>  1 = </a:t>
+            </a:r>
+            <a:r>
+              <a:rPr lang="en-US" sz="1120" i="1" dirty="0"/>
+              <a:t>Text 2</a:t>
             </a:r>
           </a:p>
           <a:p>
             <a:r>
               <a:rPr lang="en-US" sz="1120" dirty="0"/>
-              <a:t>↓  2 = Stabilized</a:t>
+              <a:t>↓  2 = </a:t>
+            </a:r>
+            <a:r>
+              <a:rPr lang="en-US" sz="1120" i="1" dirty="0"/>
+              <a:t>Text 3</a:t>
             </a:r>
           </a:p>
         </p:txBody>
@@ -7482,31 +7539,48 @@
                   </a:schemeClr>
                 </a:solidFill>
               </a:rPr>
-              <a:t>Ch. 12 </a:t>
+              <a:t>Ch. ? </a:t>
             </a:r>
           </a:p>
           <a:p>
             <a:r>
               <a:rPr lang="en-US" sz="1120" b="1" dirty="0"/>
-              <a:t>Flt Term</a:t>
+              <a:t>Unassigned</a:t>
             </a:r>
           </a:p>
           <a:p>
             <a:r>
               <a:rPr lang="en-US" sz="1120" dirty="0"/>
-              <a:t>↑  1 = Terminate</a:t>
-            </a:r>
-          </a:p>
-          <a:p>
+              <a:t>↑  0 = </a:t>
+            </a:r>
+            <a:r>
+              <a:rPr lang="en-US" sz="1120" i="1" dirty="0"/>
+              <a:t>Text 1</a:t>
+            </a:r>
+            <a:endParaRPr lang="en-US" sz="1120" dirty="0"/>
+          </a:p>
+          <a:p>
+            <a:r>
+              <a:rPr lang="en-US" sz="720" dirty="0"/>
+              <a:t>━</a:t>
+            </a:r>
             <a:r>
               <a:rPr lang="en-US" sz="1120" dirty="0"/>
-              <a:t>&gt; 0.5 = Terminate</a:t>
+              <a:t>  1 = </a:t>
+            </a:r>
+            <a:r>
+              <a:rPr lang="en-US" sz="1120" i="1" dirty="0"/>
+              <a:t>Text 2</a:t>
             </a:r>
           </a:p>
           <a:p>
             <a:r>
               <a:rPr lang="en-US" sz="1120" dirty="0"/>
-              <a:t>↓  0 = Nominal</a:t>
+              <a:t>↓  2 = </a:t>
+            </a:r>
+            <a:r>
+              <a:rPr lang="en-US" sz="1120" i="1" dirty="0"/>
+              <a:t>Text 3</a:t>
             </a:r>
           </a:p>
         </p:txBody>
@@ -7577,8 +7651,13 @@
           <a:p>
             <a:r>
               <a:rPr lang="en-US" sz="1120" dirty="0"/>
-              <a:t>↑  = Text 1</a:t>
-            </a:r>
+              <a:t>↑  0 = </a:t>
+            </a:r>
+            <a:r>
+              <a:rPr lang="en-US" sz="1120" i="1" dirty="0"/>
+              <a:t>Text 1</a:t>
+            </a:r>
+            <a:endParaRPr lang="en-US" sz="1120" dirty="0"/>
           </a:p>
           <a:p>
             <a:r>
@@ -7587,13 +7666,21 @@
             </a:r>
             <a:r>
               <a:rPr lang="en-US" sz="1120" dirty="0"/>
-              <a:t>  = Text 2</a:t>
+              <a:t>  1 = </a:t>
+            </a:r>
+            <a:r>
+              <a:rPr lang="en-US" sz="1120" i="1" dirty="0"/>
+              <a:t>Text 2</a:t>
             </a:r>
           </a:p>
           <a:p>
             <a:r>
               <a:rPr lang="en-US" sz="1120" dirty="0"/>
-              <a:t>↓  = Text 3</a:t>
+              <a:t>↓  2 = </a:t>
+            </a:r>
+            <a:r>
+              <a:rPr lang="en-US" sz="1120" i="1" dirty="0"/>
+              <a:t>Text 3</a:t>
             </a:r>
           </a:p>
         </p:txBody>
@@ -7627,7 +7714,7 @@
         </p:blipFill>
         <p:spPr>
           <a:xfrm>
-            <a:off x="8238197" y="4116164"/>
+            <a:off x="8225433" y="4116164"/>
             <a:ext cx="1324959" cy="1023303"/>
           </a:xfrm>
           <a:prstGeom prst="rect">
@@ -7701,8 +7788,13 @@
           <a:p>
             <a:r>
               <a:rPr lang="en-US" sz="1120" dirty="0"/>
-              <a:t>↑  0 = Text 1</a:t>
-            </a:r>
+              <a:t>↑  0 = </a:t>
+            </a:r>
+            <a:r>
+              <a:rPr lang="en-US" sz="1120" i="1" dirty="0"/>
+              <a:t>Text 1</a:t>
+            </a:r>
+            <a:endParaRPr lang="en-US" sz="1120" dirty="0"/>
           </a:p>
           <a:p>
             <a:r>
@@ -7711,13 +7803,21 @@
             </a:r>
             <a:r>
               <a:rPr lang="en-US" sz="1120" dirty="0"/>
-              <a:t>  1 = Text 2</a:t>
+              <a:t>  1 = </a:t>
+            </a:r>
+            <a:r>
+              <a:rPr lang="en-US" sz="1120" i="1" dirty="0"/>
+              <a:t>Text 2</a:t>
             </a:r>
           </a:p>
           <a:p>
             <a:r>
               <a:rPr lang="en-US" sz="1120" dirty="0"/>
-              <a:t>↓  2 = Text 3</a:t>
+              <a:t>↓  2 = </a:t>
+            </a:r>
+            <a:r>
+              <a:rPr lang="en-US" sz="1120" i="1" dirty="0"/>
+              <a:t>Text 3</a:t>
             </a:r>
           </a:p>
         </p:txBody>
@@ -7782,13 +7882,13 @@
           <a:p>
             <a:r>
               <a:rPr lang="en-US" sz="1120" b="1" dirty="0"/>
-              <a:t>Mod 1: CA Mode</a:t>
+              <a:t>Mod 1: Control</a:t>
             </a:r>
           </a:p>
           <a:p>
             <a:r>
               <a:rPr lang="en-US" sz="1120" dirty="0"/>
-              <a:t>↑  0 = Exp.</a:t>
+              <a:t>↑  0 = Custom</a:t>
             </a:r>
           </a:p>
           <a:p>
@@ -7798,13 +7898,13 @@
             </a:r>
             <a:r>
               <a:rPr lang="en-US" sz="1120" dirty="0"/>
-              <a:t>  1 = Stock</a:t>
+              <a:t>  1 = Stock PX4</a:t>
             </a:r>
           </a:p>
           <a:p>
             <a:r>
               <a:rPr lang="en-US" sz="1120" dirty="0"/>
-              <a:t>↓  2 = Stock</a:t>
+              <a:t>↓  2 = Stock PX4</a:t>
             </a:r>
           </a:p>
         </p:txBody>
@@ -7865,9 +7965,11 @@
               </a:rPr>
               <a:t>Ch. 11 </a:t>
             </a:r>
+          </a:p>
+          <a:p>
             <a:r>
               <a:rPr lang="en-US" sz="1120" b="1" dirty="0"/>
-              <a:t>| PTI Mode</a:t>
+              <a:t>Mod 2: PTI Mode</a:t>
             </a:r>
             <a:r>
               <a:rPr lang="en-US" sz="1120" b="1" dirty="0">
@@ -7880,12 +7982,7 @@
               </a:rPr>
               <a:t> </a:t>
             </a:r>
-          </a:p>
-          <a:p>
-            <a:r>
-              <a:rPr lang="en-US" sz="1120" b="1" dirty="0"/>
-              <a:t>Mod 2</a:t>
-            </a:r>
+            <a:endParaRPr lang="en-US" sz="1120" b="1" dirty="0"/>
           </a:p>
           <a:p>
             <a:r>
@@ -7908,7 +8005,7 @@
               <a:t>  1 = </a:t>
             </a:r>
             <a:r>
-              <a:rPr lang="en-US" sz="1120" dirty="0">
+              <a:rPr lang="en-US" sz="1120" i="1" dirty="0">
                 <a:solidFill>
                   <a:schemeClr val="bg2">
                     <a:lumMod val="90000"/>
@@ -7924,7 +8021,7 @@
               <a:t>↓  2 = </a:t>
             </a:r>
             <a:r>
-              <a:rPr lang="en-US" sz="1120" dirty="0">
+              <a:rPr lang="en-US" sz="1120" i="1" dirty="0">
                 <a:solidFill>
                   <a:schemeClr val="bg2">
                     <a:lumMod val="90000"/>
@@ -7965,7 +8062,7 @@
         </p:blipFill>
         <p:spPr>
           <a:xfrm>
-            <a:off x="5254889" y="2862730"/>
+            <a:off x="5256006" y="2876456"/>
             <a:ext cx="1306288" cy="1023303"/>
           </a:xfrm>
           <a:prstGeom prst="rect">
@@ -8002,7 +8099,7 @@
         </p:blipFill>
         <p:spPr>
           <a:xfrm>
-            <a:off x="34703" y="4116163"/>
+            <a:off x="39257" y="4116164"/>
             <a:ext cx="1393492" cy="1023303"/>
           </a:xfrm>
           <a:prstGeom prst="rect">
@@ -8039,7 +8136,7 @@
         </p:blipFill>
         <p:spPr>
           <a:xfrm>
-            <a:off x="1621590" y="2864818"/>
+            <a:off x="1622071" y="2866469"/>
             <a:ext cx="1306288" cy="1023303"/>
           </a:xfrm>
           <a:prstGeom prst="rect">
@@ -8076,7 +8173,7 @@
         </p:blipFill>
         <p:spPr>
           <a:xfrm>
-            <a:off x="271330" y="2867832"/>
+            <a:off x="276128" y="2860059"/>
             <a:ext cx="1306288" cy="1023303"/>
           </a:xfrm>
           <a:prstGeom prst="rect">
